--- a/powerpoint.pptx
+++ b/powerpoint.pptx
@@ -26780,16 +26780,7 @@
             </a:pPr>
             <a:r>
               <a:rPr lang="en-US" sz="2000" dirty="0"/>
-              <a:t>Does not include </a:t>
-            </a:r>
-          </a:p>
-          <a:p>
-            <a:pPr marL="0" indent="0" algn="r">
-              <a:buNone/>
-            </a:pPr>
-            <a:r>
-              <a:rPr lang="en-US" sz="2000" dirty="0"/>
-              <a:t># of positions</a:t>
+              <a:t> # of positions</a:t>
             </a:r>
           </a:p>
           <a:p>
